--- a/science/circuit15.pptx
+++ b/science/circuit15.pptx
@@ -1821,7 +1821,7 @@
           </a:ln>
           <a:extLst>
             <a:ext uri="{C572A759-6A51-4108-AA02-DFA0A04FC94B}">
-              <ma14:wrappingTextBoxFlag xmlns:ma14="http://schemas.microsoft.com/office/mac/drawingml/2011/main" xmlns="" val="1"/>
+              <ma14:wrappingTextBoxFlag xmlns="" xmlns:ma14="http://schemas.microsoft.com/office/mac/drawingml/2011/main" val="1"/>
             </a:ext>
           </a:extLst>
         </p:spPr>
@@ -1864,7 +1864,7 @@
           </a:ln>
           <a:extLst>
             <a:ext uri="{C572A759-6A51-4108-AA02-DFA0A04FC94B}">
-              <ma14:wrappingTextBoxFlag xmlns:ma14="http://schemas.microsoft.com/office/mac/drawingml/2011/main" xmlns="" val="1"/>
+              <ma14:wrappingTextBoxFlag xmlns="" xmlns:ma14="http://schemas.microsoft.com/office/mac/drawingml/2011/main" val="1"/>
             </a:ext>
           </a:extLst>
         </p:spPr>
@@ -2324,7 +2324,7 @@
           </a:ln>
           <a:extLst>
             <a:ext uri="{C572A759-6A51-4108-AA02-DFA0A04FC94B}">
-              <ma14:wrappingTextBoxFlag xmlns:ma14="http://schemas.microsoft.com/office/mac/drawingml/2011/main" xmlns="" val="1"/>
+              <ma14:wrappingTextBoxFlag xmlns="" xmlns:ma14="http://schemas.microsoft.com/office/mac/drawingml/2011/main" val="1"/>
             </a:ext>
           </a:extLst>
         </p:spPr>
@@ -2361,7 +2361,7 @@
           </a:ln>
           <a:extLst>
             <a:ext uri="{C572A759-6A51-4108-AA02-DFA0A04FC94B}">
-              <ma14:wrappingTextBoxFlag xmlns:ma14="http://schemas.microsoft.com/office/mac/drawingml/2011/main" xmlns="" val="1"/>
+              <ma14:wrappingTextBoxFlag xmlns="" xmlns:ma14="http://schemas.microsoft.com/office/mac/drawingml/2011/main" val="1"/>
             </a:ext>
           </a:extLst>
         </p:spPr>
@@ -2398,7 +2398,7 @@
           </a:ln>
           <a:extLst>
             <a:ext uri="{C572A759-6A51-4108-AA02-DFA0A04FC94B}">
-              <ma14:wrappingTextBoxFlag xmlns:ma14="http://schemas.microsoft.com/office/mac/drawingml/2011/main" xmlns="" val="1"/>
+              <ma14:wrappingTextBoxFlag xmlns="" xmlns:ma14="http://schemas.microsoft.com/office/mac/drawingml/2011/main" val="1"/>
             </a:ext>
           </a:extLst>
         </p:spPr>
@@ -2435,7 +2435,7 @@
           </a:ln>
           <a:extLst>
             <a:ext uri="{C572A759-6A51-4108-AA02-DFA0A04FC94B}">
-              <ma14:wrappingTextBoxFlag xmlns:ma14="http://schemas.microsoft.com/office/mac/drawingml/2011/main" xmlns="" val="1"/>
+              <ma14:wrappingTextBoxFlag xmlns="" xmlns:ma14="http://schemas.microsoft.com/office/mac/drawingml/2011/main" val="1"/>
             </a:ext>
           </a:extLst>
         </p:spPr>
@@ -2629,7 +2629,7 @@
           </a:ln>
           <a:extLst>
             <a:ext uri="{C572A759-6A51-4108-AA02-DFA0A04FC94B}">
-              <ma14:wrappingTextBoxFlag xmlns:ma14="http://schemas.microsoft.com/office/mac/drawingml/2011/main" xmlns="" val="1"/>
+              <ma14:wrappingTextBoxFlag xmlns="" xmlns:ma14="http://schemas.microsoft.com/office/mac/drawingml/2011/main" val="1"/>
             </a:ext>
           </a:extLst>
         </p:spPr>
@@ -2672,7 +2672,7 @@
           </a:ln>
           <a:extLst>
             <a:ext uri="{C572A759-6A51-4108-AA02-DFA0A04FC94B}">
-              <ma14:wrappingTextBoxFlag xmlns:ma14="http://schemas.microsoft.com/office/mac/drawingml/2011/main" xmlns="" val="1"/>
+              <ma14:wrappingTextBoxFlag xmlns="" xmlns:ma14="http://schemas.microsoft.com/office/mac/drawingml/2011/main" val="1"/>
             </a:ext>
           </a:extLst>
         </p:spPr>
@@ -2716,7 +2716,7 @@
           </a:ln>
           <a:extLst>
             <a:ext uri="{C572A759-6A51-4108-AA02-DFA0A04FC94B}">
-              <ma14:wrappingTextBoxFlag xmlns:ma14="http://schemas.microsoft.com/office/mac/drawingml/2011/main" xmlns="" val="1"/>
+              <ma14:wrappingTextBoxFlag xmlns="" xmlns:ma14="http://schemas.microsoft.com/office/mac/drawingml/2011/main" val="1"/>
             </a:ext>
           </a:extLst>
         </p:spPr>
@@ -2850,7 +2850,7 @@
           </a:ln>
           <a:extLst>
             <a:ext uri="{C572A759-6A51-4108-AA02-DFA0A04FC94B}">
-              <ma14:wrappingTextBoxFlag xmlns:ma14="http://schemas.microsoft.com/office/mac/drawingml/2011/main" xmlns="" val="1"/>
+              <ma14:wrappingTextBoxFlag xmlns="" xmlns:ma14="http://schemas.microsoft.com/office/mac/drawingml/2011/main" val="1"/>
             </a:ext>
           </a:extLst>
         </p:spPr>
@@ -3160,7 +3160,7 @@
           </a:ln>
           <a:extLst>
             <a:ext uri="{C572A759-6A51-4108-AA02-DFA0A04FC94B}">
-              <ma14:wrappingTextBoxFlag xmlns:ma14="http://schemas.microsoft.com/office/mac/drawingml/2011/main" xmlns="" val="1"/>
+              <ma14:wrappingTextBoxFlag xmlns="" xmlns:ma14="http://schemas.microsoft.com/office/mac/drawingml/2011/main" val="1"/>
             </a:ext>
           </a:extLst>
         </p:spPr>
@@ -3204,7 +3204,7 @@
           </a:ln>
           <a:extLst>
             <a:ext uri="{C572A759-6A51-4108-AA02-DFA0A04FC94B}">
-              <ma14:wrappingTextBoxFlag xmlns:ma14="http://schemas.microsoft.com/office/mac/drawingml/2011/main" xmlns="" val="1"/>
+              <ma14:wrappingTextBoxFlag xmlns="" xmlns:ma14="http://schemas.microsoft.com/office/mac/drawingml/2011/main" val="1"/>
             </a:ext>
           </a:extLst>
         </p:spPr>
@@ -3248,7 +3248,7 @@
           </a:ln>
           <a:extLst>
             <a:ext uri="{C572A759-6A51-4108-AA02-DFA0A04FC94B}">
-              <ma14:wrappingTextBoxFlag xmlns:ma14="http://schemas.microsoft.com/office/mac/drawingml/2011/main" xmlns="" val="1"/>
+              <ma14:wrappingTextBoxFlag xmlns="" xmlns:ma14="http://schemas.microsoft.com/office/mac/drawingml/2011/main" val="1"/>
             </a:ext>
           </a:extLst>
         </p:spPr>
@@ -3378,7 +3378,7 @@
           </a:ln>
           <a:extLst>
             <a:ext uri="{C572A759-6A51-4108-AA02-DFA0A04FC94B}">
-              <ma14:wrappingTextBoxFlag xmlns:ma14="http://schemas.microsoft.com/office/mac/drawingml/2011/main" xmlns="" val="1"/>
+              <ma14:wrappingTextBoxFlag xmlns="" xmlns:ma14="http://schemas.microsoft.com/office/mac/drawingml/2011/main" val="1"/>
             </a:ext>
           </a:extLst>
         </p:spPr>
@@ -3415,7 +3415,7 @@
           </a:ln>
           <a:extLst>
             <a:ext uri="{C572A759-6A51-4108-AA02-DFA0A04FC94B}">
-              <ma14:wrappingTextBoxFlag xmlns:ma14="http://schemas.microsoft.com/office/mac/drawingml/2011/main" xmlns="" val="1"/>
+              <ma14:wrappingTextBoxFlag xmlns="" xmlns:ma14="http://schemas.microsoft.com/office/mac/drawingml/2011/main" val="1"/>
             </a:ext>
           </a:extLst>
         </p:spPr>
@@ -3803,7 +3803,7 @@
           </a:ln>
           <a:extLst>
             <a:ext uri="{C572A759-6A51-4108-AA02-DFA0A04FC94B}">
-              <ma14:wrappingTextBoxFlag xmlns:ma14="http://schemas.microsoft.com/office/mac/drawingml/2011/main" xmlns="" val="1"/>
+              <ma14:wrappingTextBoxFlag xmlns="" xmlns:ma14="http://schemas.microsoft.com/office/mac/drawingml/2011/main" val="1"/>
             </a:ext>
           </a:extLst>
         </p:spPr>
@@ -3840,7 +3840,7 @@
           </a:ln>
           <a:extLst>
             <a:ext uri="{C572A759-6A51-4108-AA02-DFA0A04FC94B}">
-              <ma14:wrappingTextBoxFlag xmlns:ma14="http://schemas.microsoft.com/office/mac/drawingml/2011/main" xmlns="" val="1"/>
+              <ma14:wrappingTextBoxFlag xmlns="" xmlns:ma14="http://schemas.microsoft.com/office/mac/drawingml/2011/main" val="1"/>
             </a:ext>
           </a:extLst>
         </p:spPr>
@@ -3883,7 +3883,7 @@
           </a:ln>
           <a:extLst>
             <a:ext uri="{C572A759-6A51-4108-AA02-DFA0A04FC94B}">
-              <ma14:wrappingTextBoxFlag xmlns:ma14="http://schemas.microsoft.com/office/mac/drawingml/2011/main" xmlns="" val="1"/>
+              <ma14:wrappingTextBoxFlag xmlns="" xmlns:ma14="http://schemas.microsoft.com/office/mac/drawingml/2011/main" val="1"/>
             </a:ext>
           </a:extLst>
         </p:spPr>
@@ -3927,7 +3927,7 @@
           </a:ln>
           <a:extLst>
             <a:ext uri="{C572A759-6A51-4108-AA02-DFA0A04FC94B}">
-              <ma14:wrappingTextBoxFlag xmlns:ma14="http://schemas.microsoft.com/office/mac/drawingml/2011/main" xmlns="" val="1"/>
+              <ma14:wrappingTextBoxFlag xmlns="" xmlns:ma14="http://schemas.microsoft.com/office/mac/drawingml/2011/main" val="1"/>
             </a:ext>
           </a:extLst>
         </p:spPr>
@@ -4599,7 +4599,7 @@
           </a:ln>
           <a:extLst>
             <a:ext uri="{C572A759-6A51-4108-AA02-DFA0A04FC94B}">
-              <ma14:wrappingTextBoxFlag xmlns:ma14="http://schemas.microsoft.com/office/mac/drawingml/2011/main" xmlns="" val="1"/>
+              <ma14:wrappingTextBoxFlag xmlns="" xmlns:ma14="http://schemas.microsoft.com/office/mac/drawingml/2011/main" val="1"/>
             </a:ext>
           </a:extLst>
         </p:spPr>
@@ -4632,7 +4632,7 @@
         </p:nvSpPr>
         <p:spPr>
           <a:xfrm>
-            <a:off x="7924997" y="3999765"/>
+            <a:off x="7924997" y="3960009"/>
             <a:ext cx="732912" cy="307777"/>
           </a:xfrm>
           <a:prstGeom prst="rect">
@@ -4643,7 +4643,7 @@
           </a:ln>
           <a:extLst>
             <a:ext uri="{C572A759-6A51-4108-AA02-DFA0A04FC94B}">
-              <ma14:wrappingTextBoxFlag xmlns:ma14="http://schemas.microsoft.com/office/mac/drawingml/2011/main" xmlns="" val="1"/>
+              <ma14:wrappingTextBoxFlag xmlns="" xmlns:ma14="http://schemas.microsoft.com/office/mac/drawingml/2011/main" val="1"/>
             </a:ext>
           </a:extLst>
         </p:spPr>
@@ -4687,7 +4687,7 @@
           </a:ln>
           <a:extLst>
             <a:ext uri="{C572A759-6A51-4108-AA02-DFA0A04FC94B}">
-              <ma14:wrappingTextBoxFlag xmlns:ma14="http://schemas.microsoft.com/office/mac/drawingml/2011/main" xmlns="" val="1"/>
+              <ma14:wrappingTextBoxFlag xmlns="" xmlns:ma14="http://schemas.microsoft.com/office/mac/drawingml/2011/main" val="1"/>
             </a:ext>
           </a:extLst>
         </p:spPr>
@@ -4731,7 +4731,7 @@
           </a:ln>
           <a:extLst>
             <a:ext uri="{C572A759-6A51-4108-AA02-DFA0A04FC94B}">
-              <ma14:wrappingTextBoxFlag xmlns:ma14="http://schemas.microsoft.com/office/mac/drawingml/2011/main" xmlns="" val="1"/>
+              <ma14:wrappingTextBoxFlag xmlns="" xmlns:ma14="http://schemas.microsoft.com/office/mac/drawingml/2011/main" val="1"/>
             </a:ext>
           </a:extLst>
         </p:spPr>
@@ -4915,7 +4915,7 @@
         </p:nvSpPr>
         <p:spPr>
           <a:xfrm>
-            <a:off x="6055602" y="2518508"/>
+            <a:off x="6444181" y="2027978"/>
             <a:ext cx="1640832" cy="369332"/>
           </a:xfrm>
           <a:prstGeom prst="rect">
@@ -4926,7 +4926,7 @@
           </a:ln>
           <a:extLst>
             <a:ext uri="{C572A759-6A51-4108-AA02-DFA0A04FC94B}">
-              <ma14:wrappingTextBoxFlag xmlns:ma14="http://schemas.microsoft.com/office/mac/drawingml/2011/main" xmlns="" val="1"/>
+              <ma14:wrappingTextBoxFlag xmlns="" xmlns:ma14="http://schemas.microsoft.com/office/mac/drawingml/2011/main" val="1"/>
             </a:ext>
           </a:extLst>
         </p:spPr>
@@ -4963,7 +4963,7 @@
           </a:ln>
           <a:extLst>
             <a:ext uri="{C572A759-6A51-4108-AA02-DFA0A04FC94B}">
-              <ma14:wrappingTextBoxFlag xmlns:ma14="http://schemas.microsoft.com/office/mac/drawingml/2011/main" xmlns="" val="1"/>
+              <ma14:wrappingTextBoxFlag xmlns="" xmlns:ma14="http://schemas.microsoft.com/office/mac/drawingml/2011/main" val="1"/>
             </a:ext>
           </a:extLst>
         </p:spPr>
@@ -5004,7 +5004,7 @@
           </a:ln>
           <a:extLst>
             <a:ext uri="{C572A759-6A51-4108-AA02-DFA0A04FC94B}">
-              <ma14:wrappingTextBoxFlag xmlns:ma14="http://schemas.microsoft.com/office/mac/drawingml/2011/main" xmlns="" val="1"/>
+              <ma14:wrappingTextBoxFlag xmlns="" xmlns:ma14="http://schemas.microsoft.com/office/mac/drawingml/2011/main" val="1"/>
             </a:ext>
           </a:extLst>
         </p:spPr>
@@ -11620,7 +11620,7 @@
           </a:ln>
           <a:extLst>
             <a:ext uri="{C572A759-6A51-4108-AA02-DFA0A04FC94B}">
-              <ma14:wrappingTextBoxFlag xmlns:ma14="http://schemas.microsoft.com/office/mac/drawingml/2011/main" xmlns="" val="1"/>
+              <ma14:wrappingTextBoxFlag xmlns="" xmlns:ma14="http://schemas.microsoft.com/office/mac/drawingml/2011/main" val="1"/>
             </a:ext>
           </a:extLst>
         </p:spPr>
